--- a/test/【EC系アグリ】リーンキャンパス.pptx
+++ b/test/【EC系アグリ】リーンキャンパス.pptx
@@ -8,6 +8,7 @@
     <p:sldId id="257" r:id="rId2"/>
     <p:sldId id="258" r:id="rId3"/>
     <p:sldId id="259" r:id="rId4"/>
+    <p:sldId id="260" r:id="rId5"/>
   </p:sldIdLst>
   <p:sldSz cx="9144000" cy="6858000" type="screen4x3"/>
   <p:notesSz cx="6858000" cy="9144000"/>
@@ -291,7 +292,7 @@
             <a:fld id="{DDBE7644-6B5C-3D48-ADF1-5CE864AED55A}" type="datetimeFigureOut">
               <a:rPr kumimoji="1" lang="ja-JP" altLang="en-US" smtClean="0"/>
               <a:pPr/>
-              <a:t>2013/10/10</a:t>
+              <a:t>2013/10/20</a:t>
             </a:fld>
             <a:endParaRPr kumimoji="1" lang="ja-JP" altLang="en-US"/>
           </a:p>
@@ -495,7 +496,7 @@
             <a:fld id="{DDBE7644-6B5C-3D48-ADF1-5CE864AED55A}" type="datetimeFigureOut">
               <a:rPr kumimoji="1" lang="ja-JP" altLang="en-US" smtClean="0"/>
               <a:pPr/>
-              <a:t>2013/10/10</a:t>
+              <a:t>2013/10/20</a:t>
             </a:fld>
             <a:endParaRPr kumimoji="1" lang="ja-JP" altLang="en-US"/>
           </a:p>
@@ -709,7 +710,7 @@
             <a:fld id="{DDBE7644-6B5C-3D48-ADF1-5CE864AED55A}" type="datetimeFigureOut">
               <a:rPr kumimoji="1" lang="ja-JP" altLang="en-US" smtClean="0"/>
               <a:pPr/>
-              <a:t>2013/10/10</a:t>
+              <a:t>2013/10/20</a:t>
             </a:fld>
             <a:endParaRPr kumimoji="1" lang="ja-JP" altLang="en-US"/>
           </a:p>
@@ -913,7 +914,7 @@
             <a:fld id="{DDBE7644-6B5C-3D48-ADF1-5CE864AED55A}" type="datetimeFigureOut">
               <a:rPr kumimoji="1" lang="ja-JP" altLang="en-US" smtClean="0"/>
               <a:pPr/>
-              <a:t>2013/10/10</a:t>
+              <a:t>2013/10/20</a:t>
             </a:fld>
             <a:endParaRPr kumimoji="1" lang="ja-JP" altLang="en-US"/>
           </a:p>
@@ -1161,7 +1162,7 @@
             <a:fld id="{DDBE7644-6B5C-3D48-ADF1-5CE864AED55A}" type="datetimeFigureOut">
               <a:rPr kumimoji="1" lang="ja-JP" altLang="en-US" smtClean="0"/>
               <a:pPr/>
-              <a:t>2013/10/10</a:t>
+              <a:t>2013/10/20</a:t>
             </a:fld>
             <a:endParaRPr kumimoji="1" lang="ja-JP" altLang="en-US"/>
           </a:p>
@@ -1515,7 +1516,7 @@
             <a:fld id="{DDBE7644-6B5C-3D48-ADF1-5CE864AED55A}" type="datetimeFigureOut">
               <a:rPr kumimoji="1" lang="ja-JP" altLang="en-US" smtClean="0"/>
               <a:pPr/>
-              <a:t>2013/10/10</a:t>
+              <a:t>2013/10/20</a:t>
             </a:fld>
             <a:endParaRPr kumimoji="1" lang="ja-JP" altLang="en-US"/>
           </a:p>
@@ -2003,7 +2004,7 @@
             <a:fld id="{DDBE7644-6B5C-3D48-ADF1-5CE864AED55A}" type="datetimeFigureOut">
               <a:rPr kumimoji="1" lang="ja-JP" altLang="en-US" smtClean="0"/>
               <a:pPr/>
-              <a:t>2013/10/10</a:t>
+              <a:t>2013/10/20</a:t>
             </a:fld>
             <a:endParaRPr kumimoji="1" lang="ja-JP" altLang="en-US"/>
           </a:p>
@@ -2123,7 +2124,7 @@
             <a:fld id="{DDBE7644-6B5C-3D48-ADF1-5CE864AED55A}" type="datetimeFigureOut">
               <a:rPr kumimoji="1" lang="ja-JP" altLang="en-US" smtClean="0"/>
               <a:pPr/>
-              <a:t>2013/10/10</a:t>
+              <a:t>2013/10/20</a:t>
             </a:fld>
             <a:endParaRPr kumimoji="1" lang="ja-JP" altLang="en-US"/>
           </a:p>
@@ -2220,7 +2221,7 @@
             <a:fld id="{DDBE7644-6B5C-3D48-ADF1-5CE864AED55A}" type="datetimeFigureOut">
               <a:rPr kumimoji="1" lang="ja-JP" altLang="en-US" smtClean="0"/>
               <a:pPr/>
-              <a:t>2013/10/10</a:t>
+              <a:t>2013/10/20</a:t>
             </a:fld>
             <a:endParaRPr kumimoji="1" lang="ja-JP" altLang="en-US"/>
           </a:p>
@@ -2531,7 +2532,7 @@
             <a:fld id="{DDBE7644-6B5C-3D48-ADF1-5CE864AED55A}" type="datetimeFigureOut">
               <a:rPr kumimoji="1" lang="ja-JP" altLang="en-US" smtClean="0"/>
               <a:pPr/>
-              <a:t>2013/10/10</a:t>
+              <a:t>2013/10/20</a:t>
             </a:fld>
             <a:endParaRPr kumimoji="1" lang="ja-JP" altLang="en-US"/>
           </a:p>
@@ -2786,7 +2787,7 @@
             <a:fld id="{DDBE7644-6B5C-3D48-ADF1-5CE864AED55A}" type="datetimeFigureOut">
               <a:rPr kumimoji="1" lang="ja-JP" altLang="en-US" smtClean="0"/>
               <a:pPr/>
-              <a:t>2013/10/10</a:t>
+              <a:t>2013/10/20</a:t>
             </a:fld>
             <a:endParaRPr kumimoji="1" lang="ja-JP" altLang="en-US"/>
           </a:p>
@@ -3033,7 +3034,7 @@
             <a:fld id="{DDBE7644-6B5C-3D48-ADF1-5CE864AED55A}" type="datetimeFigureOut">
               <a:rPr kumimoji="1" lang="ja-JP" altLang="en-US" smtClean="0"/>
               <a:pPr/>
-              <a:t>2013/10/10</a:t>
+              <a:t>2013/10/20</a:t>
             </a:fld>
             <a:endParaRPr kumimoji="1" lang="ja-JP" altLang="en-US"/>
           </a:p>
@@ -5631,15 +5632,7 @@
                 <a:ea typeface="メイリオ"/>
                 <a:cs typeface="メイリオ"/>
               </a:rPr>
-              <a:t>・</a:t>
-            </a:r>
-            <a:r>
-              <a:rPr lang="ja-JP" altLang="en-US" sz="1100" dirty="0" smtClean="0">
-                <a:latin typeface="メイリオ"/>
-                <a:ea typeface="メイリオ"/>
-                <a:cs typeface="メイリオ"/>
-              </a:rPr>
-              <a:t>イベントの集客が難しい</a:t>
+              <a:t>・イベントの集客が難しい</a:t>
             </a:r>
             <a:endParaRPr lang="en-US" altLang="ja-JP" sz="1100" dirty="0" smtClean="0">
               <a:latin typeface="メイリオ"/>
@@ -5661,15 +5654,7 @@
                 <a:ea typeface="メイリオ"/>
                 <a:cs typeface="メイリオ"/>
               </a:rPr>
-              <a:t>・</a:t>
-            </a:r>
-            <a:r>
-              <a:rPr lang="ja-JP" altLang="en-US" sz="1100" dirty="0" smtClean="0">
-                <a:latin typeface="メイリオ"/>
-                <a:ea typeface="メイリオ"/>
-                <a:cs typeface="メイリオ"/>
-              </a:rPr>
-              <a:t>参加者の管理が面倒（当日の受付なども）</a:t>
+              <a:t>・参加者の管理が面倒（当日の受付なども）</a:t>
             </a:r>
             <a:endParaRPr lang="en-US" altLang="ja-JP" sz="1100" dirty="0" smtClean="0">
               <a:latin typeface="メイリオ"/>
@@ -5691,15 +5676,7 @@
                 <a:ea typeface="メイリオ"/>
                 <a:cs typeface="メイリオ"/>
               </a:rPr>
-              <a:t>・</a:t>
-            </a:r>
-            <a:r>
-              <a:rPr kumimoji="1" lang="ja-JP" altLang="en-US" sz="1100" dirty="0" smtClean="0">
-                <a:latin typeface="メイリオ"/>
-                <a:ea typeface="メイリオ"/>
-                <a:cs typeface="メイリオ"/>
-              </a:rPr>
-              <a:t>参加者のドタキャン</a:t>
+              <a:t>・参加者のドタキャン</a:t>
             </a:r>
             <a:endParaRPr kumimoji="1" lang="en-US" altLang="ja-JP" sz="1100" dirty="0">
               <a:latin typeface="メイリオ"/>
@@ -5721,15 +5698,7 @@
                 <a:ea typeface="メイリオ"/>
                 <a:cs typeface="メイリオ"/>
               </a:rPr>
-              <a:t>既存の</a:t>
-            </a:r>
-            <a:r>
-              <a:rPr kumimoji="1" lang="ja-JP" altLang="en-US" sz="1100" u="sng" dirty="0" smtClean="0">
-                <a:latin typeface="メイリオ"/>
-                <a:ea typeface="メイリオ"/>
-                <a:cs typeface="メイリオ"/>
-              </a:rPr>
-              <a:t>代替品</a:t>
+              <a:t>既存の代替品</a:t>
             </a:r>
             <a:endParaRPr kumimoji="1" lang="en-US" altLang="ja-JP" sz="1100" u="sng" dirty="0" smtClean="0">
               <a:latin typeface="メイリオ"/>
@@ -5814,15 +5783,7 @@
                 <a:ea typeface="メイリオ"/>
                 <a:cs typeface="メイリオ"/>
               </a:rPr>
-              <a:t>・</a:t>
-            </a:r>
-            <a:r>
-              <a:rPr lang="ja-JP" altLang="en-US" sz="1100" dirty="0" smtClean="0">
-                <a:latin typeface="メイリオ"/>
-                <a:ea typeface="メイリオ"/>
-                <a:cs typeface="メイリオ"/>
-              </a:rPr>
-              <a:t>イベント主催者</a:t>
+              <a:t>・イベント主催者</a:t>
             </a:r>
             <a:endParaRPr lang="en-US" altLang="ja-JP" sz="1100" dirty="0" smtClean="0">
               <a:latin typeface="メイリオ"/>
@@ -6039,15 +6000,7 @@
                 <a:ea typeface="メイリオ"/>
                 <a:cs typeface="メイリオ"/>
               </a:rPr>
-              <a:t>・</a:t>
-            </a:r>
-            <a:r>
-              <a:rPr lang="ja-JP" altLang="en-US" sz="1100" dirty="0" smtClean="0">
-                <a:latin typeface="メイリオ"/>
-                <a:ea typeface="メイリオ"/>
-                <a:cs typeface="メイリオ"/>
-              </a:rPr>
-              <a:t>イベント一覧ページ</a:t>
+              <a:t>・イベント一覧ページ</a:t>
             </a:r>
             <a:endParaRPr lang="en-US" altLang="ja-JP" sz="1100" dirty="0" smtClean="0">
               <a:latin typeface="メイリオ"/>
@@ -6267,15 +6220,7 @@
                 <a:ea typeface="メイリオ"/>
                 <a:cs typeface="メイリオ"/>
               </a:rPr>
-              <a:t>・</a:t>
-            </a:r>
-            <a:r>
-              <a:rPr lang="ja-JP" altLang="en-US" sz="1100" dirty="0" smtClean="0">
-                <a:latin typeface="メイリオ"/>
-                <a:ea typeface="メイリオ"/>
-                <a:cs typeface="メイリオ"/>
-              </a:rPr>
-              <a:t>イベント一覧ページ</a:t>
+              <a:t>・イベント一覧ページ</a:t>
             </a:r>
             <a:endParaRPr lang="en-US" altLang="ja-JP" sz="1100" dirty="0" smtClean="0">
               <a:latin typeface="メイリオ"/>
@@ -6349,23 +6294,7 @@
                 <a:ea typeface="メイリオ"/>
                 <a:cs typeface="メイリオ"/>
               </a:rPr>
-              <a:t>・インフラ</a:t>
-            </a:r>
-            <a:r>
-              <a:rPr lang="ja-JP" altLang="en-US" sz="1100" dirty="0" smtClean="0">
-                <a:latin typeface="メイリオ"/>
-                <a:ea typeface="メイリオ"/>
-                <a:cs typeface="メイリオ"/>
-              </a:rPr>
-              <a:t>：</a:t>
-            </a:r>
-            <a:r>
-              <a:rPr lang="ja-JP" altLang="en-US" sz="1100" dirty="0" smtClean="0">
-                <a:latin typeface="メイリオ"/>
-                <a:ea typeface="メイリオ"/>
-                <a:cs typeface="メイリオ"/>
-              </a:rPr>
-              <a:t>　</a:t>
+              <a:t>・インフラ：　</a:t>
             </a:r>
             <a:r>
               <a:rPr lang="en-US" altLang="ja-JP" sz="1100" dirty="0" smtClean="0">
@@ -6381,15 +6310,7 @@
                 <a:ea typeface="メイリオ"/>
                 <a:cs typeface="メイリオ"/>
               </a:rPr>
-              <a:t>万円</a:t>
-            </a:r>
-            <a:r>
-              <a:rPr lang="ja-JP" altLang="en-US" sz="1100" dirty="0" smtClean="0">
-                <a:latin typeface="メイリオ"/>
-                <a:ea typeface="メイリオ"/>
-                <a:cs typeface="メイリオ"/>
-              </a:rPr>
-              <a:t>／月</a:t>
+              <a:t>万円／月</a:t>
             </a:r>
             <a:endParaRPr lang="en-US" altLang="ja-JP" sz="1100" dirty="0" smtClean="0">
               <a:latin typeface="メイリオ"/>
@@ -6404,31 +6325,7 @@
                 <a:ea typeface="メイリオ"/>
                 <a:cs typeface="メイリオ"/>
               </a:rPr>
-              <a:t>・人件費</a:t>
-            </a:r>
-            <a:r>
-              <a:rPr lang="ja-JP" altLang="en-US" sz="1100" dirty="0" smtClean="0">
-                <a:latin typeface="メイリオ"/>
-                <a:ea typeface="メイリオ"/>
-                <a:cs typeface="メイリオ"/>
-              </a:rPr>
-              <a:t>：</a:t>
-            </a:r>
-            <a:r>
-              <a:rPr lang="ja-JP" altLang="en-US" sz="1100" dirty="0" smtClean="0">
-                <a:latin typeface="メイリオ"/>
-                <a:ea typeface="メイリオ"/>
-                <a:cs typeface="メイリオ"/>
-              </a:rPr>
-              <a:t>開発</a:t>
-            </a:r>
-            <a:r>
-              <a:rPr lang="ja-JP" altLang="en-US" sz="1100" dirty="0" smtClean="0">
-                <a:latin typeface="メイリオ"/>
-                <a:ea typeface="メイリオ"/>
-                <a:cs typeface="メイリオ"/>
-              </a:rPr>
-              <a:t>デザイン　</a:t>
+              <a:t>・人件費：開発デザイン　</a:t>
             </a:r>
             <a:r>
               <a:rPr lang="en-US" altLang="ja-JP" sz="1100" dirty="0" smtClean="0">
@@ -6544,15 +6441,7 @@
                 <a:ea typeface="メイリオ"/>
                 <a:cs typeface="メイリオ"/>
               </a:rPr>
-              <a:t>・</a:t>
-            </a:r>
-            <a:r>
-              <a:rPr lang="ja-JP" altLang="en-US" sz="1100" dirty="0" smtClean="0">
-                <a:latin typeface="メイリオ"/>
-                <a:ea typeface="メイリオ"/>
-                <a:cs typeface="メイリオ"/>
-              </a:rPr>
-              <a:t>チケット購入決済の手数料</a:t>
+              <a:t>・チケット購入決済の手数料</a:t>
             </a:r>
             <a:endParaRPr lang="en-US" altLang="ja-JP" sz="1100" dirty="0">
               <a:latin typeface="メイリオ"/>
@@ -6628,15 +6517,7 @@
                 <a:ea typeface="メイリオ"/>
                 <a:cs typeface="メイリオ"/>
               </a:rPr>
-              <a:t>・</a:t>
-            </a:r>
-            <a:r>
-              <a:rPr lang="ja-JP" altLang="en-US" sz="1100" dirty="0" smtClean="0">
-                <a:latin typeface="メイリオ"/>
-                <a:ea typeface="メイリオ"/>
-                <a:cs typeface="メイリオ"/>
-              </a:rPr>
-              <a:t>獲得済みの顧客</a:t>
+              <a:t>・獲得済みの顧客</a:t>
             </a:r>
             <a:endParaRPr lang="en-US" altLang="ja-JP" sz="1100" dirty="0" smtClean="0">
               <a:latin typeface="メイリオ"/>
@@ -7263,15 +7144,7 @@
                 <a:ea typeface="メイリオ"/>
                 <a:cs typeface="メイリオ"/>
               </a:rPr>
-              <a:t>・</a:t>
-            </a:r>
-            <a:r>
-              <a:rPr lang="ja-JP" altLang="en-US" sz="1100" dirty="0" smtClean="0">
-                <a:latin typeface="メイリオ"/>
-                <a:ea typeface="メイリオ"/>
-                <a:cs typeface="メイリオ"/>
-              </a:rPr>
-              <a:t>雑誌にしか載っていない（量も少ない）パーツ押し</a:t>
+              <a:t>・雑誌にしか載っていない（量も少ない）パーツ押し</a:t>
             </a:r>
             <a:endParaRPr lang="en-US" altLang="ja-JP" sz="1100" dirty="0" smtClean="0">
               <a:latin typeface="メイリオ"/>
@@ -7293,15 +7166,7 @@
                 <a:ea typeface="メイリオ"/>
                 <a:cs typeface="メイリオ"/>
               </a:rPr>
-              <a:t>・</a:t>
-            </a:r>
-            <a:r>
-              <a:rPr lang="ja-JP" altLang="en-US" sz="1100" dirty="0" smtClean="0">
-                <a:latin typeface="メイリオ"/>
-                <a:ea typeface="メイリオ"/>
-                <a:cs typeface="メイリオ"/>
-              </a:rPr>
-              <a:t>かっこいい自転車のパーツがなにか分からない</a:t>
+              <a:t>・かっこいい自転車のパーツがなにか分からない</a:t>
             </a:r>
             <a:endParaRPr lang="en-US" altLang="ja-JP" sz="1100" dirty="0" smtClean="0">
               <a:latin typeface="メイリオ"/>
@@ -7323,15 +7188,7 @@
                 <a:ea typeface="メイリオ"/>
                 <a:cs typeface="メイリオ"/>
               </a:rPr>
-              <a:t>・</a:t>
-            </a:r>
-            <a:r>
-              <a:rPr kumimoji="1" lang="ja-JP" altLang="en-US" sz="1100" dirty="0" smtClean="0">
-                <a:latin typeface="メイリオ"/>
-                <a:ea typeface="メイリオ"/>
-                <a:cs typeface="メイリオ"/>
-              </a:rPr>
-              <a:t>全体としてどうなのか？</a:t>
+              <a:t>・全体としてどうなのか？</a:t>
             </a:r>
             <a:endParaRPr kumimoji="1" lang="en-US" altLang="ja-JP" sz="1100" dirty="0" smtClean="0">
               <a:latin typeface="メイリオ"/>
@@ -7353,15 +7210,7 @@
                 <a:ea typeface="メイリオ"/>
                 <a:cs typeface="メイリオ"/>
               </a:rPr>
-              <a:t>既存の</a:t>
-            </a:r>
-            <a:r>
-              <a:rPr kumimoji="1" lang="ja-JP" altLang="en-US" sz="1100" u="sng" dirty="0" smtClean="0">
-                <a:latin typeface="メイリオ"/>
-                <a:ea typeface="メイリオ"/>
-                <a:cs typeface="メイリオ"/>
-              </a:rPr>
-              <a:t>代替品</a:t>
+              <a:t>既存の代替品</a:t>
             </a:r>
             <a:endParaRPr kumimoji="1" lang="en-US" altLang="ja-JP" sz="1100" u="sng" dirty="0" smtClean="0">
               <a:latin typeface="メイリオ"/>
@@ -7421,15 +7270,7 @@
                 <a:ea typeface="メイリオ"/>
                 <a:cs typeface="メイリオ"/>
               </a:rPr>
-              <a:t>・</a:t>
-            </a:r>
-            <a:r>
-              <a:rPr lang="ja-JP" altLang="en-US" sz="1100" dirty="0" smtClean="0">
-                <a:latin typeface="メイリオ"/>
-                <a:ea typeface="メイリオ"/>
-                <a:cs typeface="メイリオ"/>
-              </a:rPr>
-              <a:t>かっこいい自転車に載ってモテたい人</a:t>
+              <a:t>・かっこいい自転車に載ってモテたい人</a:t>
             </a:r>
             <a:endParaRPr lang="en-US" altLang="ja-JP" sz="1100" dirty="0" smtClean="0">
               <a:latin typeface="メイリオ"/>
@@ -7630,15 +7471,7 @@
                 <a:ea typeface="メイリオ"/>
                 <a:cs typeface="メイリオ"/>
               </a:rPr>
-              <a:t>・</a:t>
-            </a:r>
-            <a:r>
-              <a:rPr lang="ja-JP" altLang="en-US" sz="1100" dirty="0" smtClean="0">
-                <a:latin typeface="メイリオ"/>
-                <a:ea typeface="メイリオ"/>
-                <a:cs typeface="メイリオ"/>
-              </a:rPr>
-              <a:t>投稿？人力</a:t>
+              <a:t>・投稿？人力</a:t>
             </a:r>
             <a:endParaRPr lang="en-US" altLang="ja-JP" sz="1100" dirty="0" smtClean="0">
               <a:latin typeface="メイリオ"/>
@@ -7873,15 +7706,7 @@
                 <a:ea typeface="メイリオ"/>
                 <a:cs typeface="メイリオ"/>
               </a:rPr>
-              <a:t>・</a:t>
-            </a:r>
-            <a:r>
-              <a:rPr lang="ja-JP" altLang="en-US" sz="1100" dirty="0" smtClean="0">
-                <a:latin typeface="メイリオ"/>
-                <a:ea typeface="メイリオ"/>
-                <a:cs typeface="メイリオ"/>
-              </a:rPr>
-              <a:t>イベント一覧ページ</a:t>
+              <a:t>・イベント一覧ページ</a:t>
             </a:r>
             <a:endParaRPr lang="en-US" altLang="ja-JP" sz="1100" dirty="0" smtClean="0">
               <a:latin typeface="メイリオ"/>
@@ -7955,23 +7780,7 @@
                 <a:ea typeface="メイリオ"/>
                 <a:cs typeface="メイリオ"/>
               </a:rPr>
-              <a:t>・インフラ</a:t>
-            </a:r>
-            <a:r>
-              <a:rPr lang="ja-JP" altLang="en-US" sz="1100" dirty="0" smtClean="0">
-                <a:latin typeface="メイリオ"/>
-                <a:ea typeface="メイリオ"/>
-                <a:cs typeface="メイリオ"/>
-              </a:rPr>
-              <a:t>：</a:t>
-            </a:r>
-            <a:r>
-              <a:rPr lang="ja-JP" altLang="en-US" sz="1100" dirty="0" smtClean="0">
-                <a:latin typeface="メイリオ"/>
-                <a:ea typeface="メイリオ"/>
-                <a:cs typeface="メイリオ"/>
-              </a:rPr>
-              <a:t>　</a:t>
+              <a:t>・インフラ：　</a:t>
             </a:r>
             <a:r>
               <a:rPr lang="en-US" altLang="ja-JP" sz="1100" dirty="0" smtClean="0">
@@ -7987,15 +7796,7 @@
                 <a:ea typeface="メイリオ"/>
                 <a:cs typeface="メイリオ"/>
               </a:rPr>
-              <a:t>万円</a:t>
-            </a:r>
-            <a:r>
-              <a:rPr lang="ja-JP" altLang="en-US" sz="1100" dirty="0" smtClean="0">
-                <a:latin typeface="メイリオ"/>
-                <a:ea typeface="メイリオ"/>
-                <a:cs typeface="メイリオ"/>
-              </a:rPr>
-              <a:t>／月</a:t>
+              <a:t>万円／月</a:t>
             </a:r>
             <a:endParaRPr lang="en-US" altLang="ja-JP" sz="1100" dirty="0" smtClean="0">
               <a:latin typeface="メイリオ"/>
@@ -8010,31 +7811,7 @@
                 <a:ea typeface="メイリオ"/>
                 <a:cs typeface="メイリオ"/>
               </a:rPr>
-              <a:t>・人件費</a:t>
-            </a:r>
-            <a:r>
-              <a:rPr lang="ja-JP" altLang="en-US" sz="1100" dirty="0" smtClean="0">
-                <a:latin typeface="メイリオ"/>
-                <a:ea typeface="メイリオ"/>
-                <a:cs typeface="メイリオ"/>
-              </a:rPr>
-              <a:t>：</a:t>
-            </a:r>
-            <a:r>
-              <a:rPr lang="ja-JP" altLang="en-US" sz="1100" dirty="0" smtClean="0">
-                <a:latin typeface="メイリオ"/>
-                <a:ea typeface="メイリオ"/>
-                <a:cs typeface="メイリオ"/>
-              </a:rPr>
-              <a:t>開発</a:t>
-            </a:r>
-            <a:r>
-              <a:rPr lang="ja-JP" altLang="en-US" sz="1100" dirty="0" smtClean="0">
-                <a:latin typeface="メイリオ"/>
-                <a:ea typeface="メイリオ"/>
-                <a:cs typeface="メイリオ"/>
-              </a:rPr>
-              <a:t>デザイン　</a:t>
+              <a:t>・人件費：開発デザイン　</a:t>
             </a:r>
             <a:r>
               <a:rPr lang="en-US" altLang="ja-JP" sz="1100" dirty="0" smtClean="0">
@@ -8150,15 +7927,7 @@
                 <a:ea typeface="メイリオ"/>
                 <a:cs typeface="メイリオ"/>
               </a:rPr>
-              <a:t>・</a:t>
-            </a:r>
-            <a:r>
-              <a:rPr lang="ja-JP" altLang="en-US" sz="1100" dirty="0" smtClean="0">
-                <a:latin typeface="メイリオ"/>
-                <a:ea typeface="メイリオ"/>
-                <a:cs typeface="メイリオ"/>
-              </a:rPr>
-              <a:t>紹介手数料</a:t>
+              <a:t>・紹介手数料</a:t>
             </a:r>
             <a:endParaRPr lang="en-US" altLang="ja-JP" sz="1100" dirty="0" smtClean="0">
               <a:latin typeface="メイリオ"/>
@@ -8271,15 +8040,7 @@
                 <a:ea typeface="メイリオ"/>
                 <a:cs typeface="メイリオ"/>
               </a:rPr>
-              <a:t>・</a:t>
-            </a:r>
-            <a:r>
-              <a:rPr lang="ja-JP" altLang="en-US" sz="1100" dirty="0" smtClean="0">
-                <a:latin typeface="メイリオ"/>
-                <a:ea typeface="メイリオ"/>
-                <a:cs typeface="メイリオ"/>
-              </a:rPr>
-              <a:t>獲得済みの顧客</a:t>
+              <a:t>・獲得済みの顧客</a:t>
             </a:r>
             <a:endParaRPr lang="en-US" altLang="ja-JP" sz="1100" dirty="0" smtClean="0">
               <a:latin typeface="メイリオ"/>
@@ -8335,6 +8096,73 @@
     <p:extLst>
       <p:ext uri="{BB962C8B-B14F-4D97-AF65-F5344CB8AC3E}">
         <p14:creationId xmlns:p14="http://schemas.microsoft.com/office/powerpoint/2010/main" val="1216004126"/>
+      </p:ext>
+    </p:extLst>
+  </p:cSld>
+  <p:clrMapOvr>
+    <a:masterClrMapping/>
+  </p:clrMapOvr>
+  <p:timing>
+    <p:tnLst>
+      <p:par>
+        <p:cTn xmlns:p14="http://schemas.microsoft.com/office/powerpoint/2010/main" id="1" dur="indefinite" restart="never" nodeType="tmRoot"/>
+      </p:par>
+    </p:tnLst>
+  </p:timing>
+</p:sld>
+</file>
+
+<file path=ppt/slides/slide4.xml><?xml version="1.0" encoding="utf-8"?>
+<p:sld xmlns:a="http://schemas.openxmlformats.org/drawingml/2006/main" xmlns:r="http://schemas.openxmlformats.org/officeDocument/2006/relationships" xmlns:p="http://schemas.openxmlformats.org/presentationml/2006/main">
+  <p:cSld>
+    <p:spTree>
+      <p:nvGrpSpPr>
+        <p:cNvPr id="1" name=""/>
+        <p:cNvGrpSpPr/>
+        <p:nvPr/>
+      </p:nvGrpSpPr>
+      <p:grpSpPr>
+        <a:xfrm>
+          <a:off x="0" y="0"/>
+          <a:ext cx="0" cy="0"/>
+          <a:chOff x="0" y="0"/>
+          <a:chExt cx="0" cy="0"/>
+        </a:xfrm>
+      </p:grpSpPr>
+      <p:sp>
+        <p:nvSpPr>
+          <p:cNvPr id="3" name="テキスト ボックス 2"/>
+          <p:cNvSpPr txBox="1"/>
+          <p:nvPr/>
+        </p:nvSpPr>
+        <p:spPr>
+          <a:xfrm>
+            <a:off x="3592845" y="3960636"/>
+            <a:ext cx="747320" cy="369332"/>
+          </a:xfrm>
+          <a:prstGeom prst="rect">
+            <a:avLst/>
+          </a:prstGeom>
+          <a:noFill/>
+        </p:spPr>
+        <p:txBody>
+          <a:bodyPr wrap="none" rtlCol="0">
+            <a:spAutoFit/>
+          </a:bodyPr>
+          <a:lstStyle/>
+          <a:p>
+            <a:r>
+              <a:rPr kumimoji="1" lang="ja-JP" altLang="en-US" smtClean="0"/>
+              <a:t>テスト</a:t>
+            </a:r>
+            <a:endParaRPr kumimoji="1" lang="ja-JP" altLang="en-US"/>
+          </a:p>
+        </p:txBody>
+      </p:sp>
+    </p:spTree>
+    <p:extLst>
+      <p:ext uri="{BB962C8B-B14F-4D97-AF65-F5344CB8AC3E}">
+        <p14:creationId xmlns:p14="http://schemas.microsoft.com/office/powerpoint/2010/main" val="2263939070"/>
       </p:ext>
     </p:extLst>
   </p:cSld>
